--- a/Shareable Data Structures.pptx
+++ b/Shareable Data Structures.pptx
@@ -12,6 +12,11 @@
     <p:sldId id="260" r:id="rId6"/>
     <p:sldId id="261" r:id="rId7"/>
     <p:sldId id="262" r:id="rId8"/>
+    <p:sldId id="263" r:id="rId9"/>
+    <p:sldId id="264" r:id="rId10"/>
+    <p:sldId id="265" r:id="rId11"/>
+    <p:sldId id="266" r:id="rId12"/>
+    <p:sldId id="267" r:id="rId13"/>
   </p:sldIdLst>
   <p:sldSz cx="9144000" cy="6858000" type="screen4x3"/>
   <p:notesSz cx="6858000" cy="9144000"/>
@@ -110,6 +115,11 @@
       </a:defRPr>
     </a:lvl9pPr>
   </p:defaultTextStyle>
+  <p:extLst>
+    <p:ext uri="{EFAFB233-063F-42B5-8137-9DF3F51BA10A}">
+      <p15:sldGuideLst xmlns:p15="http://schemas.microsoft.com/office/powerpoint/2012/main"/>
+    </p:ext>
+  </p:extLst>
 </p:presentation>
 </file>
 
@@ -299,7 +309,7 @@
           <a:p>
             <a:fld id="{4AAD347D-5ACD-4C99-B74B-A9C85AD731AF}" type="datetimeFigureOut">
               <a:rPr lang="en-US" smtClean="0"/>
-              <a:t>10/18/2018</a:t>
+              <a:t>11/5/2018</a:t>
             </a:fld>
             <a:endParaRPr lang="en-US" dirty="0"/>
           </a:p>
@@ -574,7 +584,7 @@
           <a:p>
             <a:fld id="{4509A250-FF31-4206-8172-F9D3106AACB1}" type="datetimeFigureOut">
               <a:rPr lang="en-US" smtClean="0"/>
-              <a:t>10/18/2018</a:t>
+              <a:t>11/5/2018</a:t>
             </a:fld>
             <a:endParaRPr lang="en-US" dirty="0"/>
           </a:p>
@@ -768,7 +778,7 @@
           <a:p>
             <a:fld id="{4509A250-FF31-4206-8172-F9D3106AACB1}" type="datetimeFigureOut">
               <a:rPr lang="en-US" smtClean="0"/>
-              <a:t>10/18/2018</a:t>
+              <a:t>11/5/2018</a:t>
             </a:fld>
             <a:endParaRPr lang="en-US" dirty="0"/>
           </a:p>
@@ -1041,7 +1051,7 @@
           <a:p>
             <a:fld id="{4509A250-FF31-4206-8172-F9D3106AACB1}" type="datetimeFigureOut">
               <a:rPr lang="en-US" smtClean="0"/>
-              <a:t>10/18/2018</a:t>
+              <a:t>11/5/2018</a:t>
             </a:fld>
             <a:endParaRPr lang="en-US" dirty="0"/>
           </a:p>
@@ -1382,7 +1392,7 @@
           <a:p>
             <a:fld id="{4509A250-FF31-4206-8172-F9D3106AACB1}" type="datetimeFigureOut">
               <a:rPr lang="en-US" smtClean="0"/>
-              <a:t>10/18/2018</a:t>
+              <a:t>11/5/2018</a:t>
             </a:fld>
             <a:endParaRPr lang="en-US" dirty="0"/>
           </a:p>
@@ -2005,7 +2015,7 @@
           <a:p>
             <a:fld id="{4509A250-FF31-4206-8172-F9D3106AACB1}" type="datetimeFigureOut">
               <a:rPr lang="en-US" smtClean="0"/>
-              <a:t>10/18/2018</a:t>
+              <a:t>11/5/2018</a:t>
             </a:fld>
             <a:endParaRPr lang="en-US" dirty="0"/>
           </a:p>
@@ -2865,7 +2875,7 @@
           <a:p>
             <a:fld id="{4509A250-FF31-4206-8172-F9D3106AACB1}" type="datetimeFigureOut">
               <a:rPr lang="en-US" smtClean="0"/>
-              <a:t>10/18/2018</a:t>
+              <a:t>11/5/2018</a:t>
             </a:fld>
             <a:endParaRPr lang="en-US" dirty="0"/>
           </a:p>
@@ -3035,7 +3045,7 @@
           <a:p>
             <a:fld id="{4509A250-FF31-4206-8172-F9D3106AACB1}" type="datetimeFigureOut">
               <a:rPr lang="en-US" smtClean="0"/>
-              <a:t>10/18/2018</a:t>
+              <a:t>11/5/2018</a:t>
             </a:fld>
             <a:endParaRPr lang="en-US" dirty="0"/>
           </a:p>
@@ -3215,7 +3225,7 @@
           <a:p>
             <a:fld id="{4509A250-FF31-4206-8172-F9D3106AACB1}" type="datetimeFigureOut">
               <a:rPr lang="en-US" smtClean="0"/>
-              <a:t>10/18/2018</a:t>
+              <a:t>11/5/2018</a:t>
             </a:fld>
             <a:endParaRPr lang="en-US" dirty="0"/>
           </a:p>
@@ -3616,7 +3626,7 @@
           <a:p>
             <a:fld id="{9796027F-7875-4030-9381-8BD8C4F21935}" type="datetimeFigureOut">
               <a:rPr lang="en-US" smtClean="0"/>
-              <a:t>10/18/2018</a:t>
+              <a:t>11/5/2018</a:t>
             </a:fld>
             <a:endParaRPr lang="en-US" dirty="0"/>
           </a:p>
@@ -3908,7 +3918,7 @@
           <a:p>
             <a:fld id="{9796027F-7875-4030-9381-8BD8C4F21935}" type="datetimeFigureOut">
               <a:rPr lang="en-US" smtClean="0"/>
-              <a:t>10/18/2018</a:t>
+              <a:t>11/5/2018</a:t>
             </a:fld>
             <a:endParaRPr lang="en-US" dirty="0"/>
           </a:p>
@@ -4352,7 +4362,7 @@
           <a:p>
             <a:fld id="{9796027F-7875-4030-9381-8BD8C4F21935}" type="datetimeFigureOut">
               <a:rPr lang="en-US" smtClean="0"/>
-              <a:t>10/18/2018</a:t>
+              <a:t>11/5/2018</a:t>
             </a:fld>
             <a:endParaRPr lang="en-US" dirty="0"/>
           </a:p>
@@ -4470,7 +4480,7 @@
           <a:p>
             <a:fld id="{4509A250-FF31-4206-8172-F9D3106AACB1}" type="datetimeFigureOut">
               <a:rPr lang="en-US" smtClean="0"/>
-              <a:t>10/18/2018</a:t>
+              <a:t>11/5/2018</a:t>
             </a:fld>
             <a:endParaRPr lang="en-US" dirty="0"/>
           </a:p>
@@ -4565,7 +4575,7 @@
           <a:p>
             <a:fld id="{4509A250-FF31-4206-8172-F9D3106AACB1}" type="datetimeFigureOut">
               <a:rPr lang="en-US" smtClean="0"/>
-              <a:t>10/18/2018</a:t>
+              <a:t>11/5/2018</a:t>
             </a:fld>
             <a:endParaRPr lang="en-US" dirty="0"/>
           </a:p>
@@ -4844,7 +4854,7 @@
           <a:p>
             <a:fld id="{4509A250-FF31-4206-8172-F9D3106AACB1}" type="datetimeFigureOut">
               <a:rPr lang="en-US" smtClean="0"/>
-              <a:t>10/18/2018</a:t>
+              <a:t>11/5/2018</a:t>
             </a:fld>
             <a:endParaRPr lang="en-US" dirty="0"/>
           </a:p>
@@ -5119,7 +5129,7 @@
           <a:p>
             <a:fld id="{4509A250-FF31-4206-8172-F9D3106AACB1}" type="datetimeFigureOut">
               <a:rPr lang="en-US" smtClean="0"/>
-              <a:t>10/18/2018</a:t>
+              <a:t>11/5/2018</a:t>
             </a:fld>
             <a:endParaRPr lang="en-US" dirty="0"/>
           </a:p>
@@ -5684,7 +5694,7 @@
           <a:p>
             <a:fld id="{4AAD347D-5ACD-4C99-B74B-A9C85AD731AF}" type="datetimeFigureOut">
               <a:rPr lang="en-US" smtClean="0"/>
-              <a:t>10/18/2018</a:t>
+              <a:t>11/5/2018</a:t>
             </a:fld>
             <a:endParaRPr lang="en-US" dirty="0"/>
           </a:p>
@@ -6293,6 +6303,430 @@
 </p:sld>
 </file>
 
+<file path=ppt/slides/slide10.xml><?xml version="1.0" encoding="utf-8"?>
+<p:sld xmlns:a="http://schemas.openxmlformats.org/drawingml/2006/main" xmlns:r="http://schemas.openxmlformats.org/officeDocument/2006/relationships" xmlns:p="http://schemas.openxmlformats.org/presentationml/2006/main">
+  <p:cSld>
+    <p:spTree>
+      <p:nvGrpSpPr>
+        <p:cNvPr id="1" name=""/>
+        <p:cNvGrpSpPr/>
+        <p:nvPr/>
+      </p:nvGrpSpPr>
+      <p:grpSpPr>
+        <a:xfrm>
+          <a:off x="0" y="0"/>
+          <a:ext cx="0" cy="0"/>
+          <a:chOff x="0" y="0"/>
+          <a:chExt cx="0" cy="0"/>
+        </a:xfrm>
+      </p:grpSpPr>
+      <p:sp>
+        <p:nvSpPr>
+          <p:cNvPr id="2" name="Title 1">
+            <a:extLst>
+              <a:ext uri="{FF2B5EF4-FFF2-40B4-BE49-F238E27FC236}">
+                <a16:creationId xmlns:a16="http://schemas.microsoft.com/office/drawing/2014/main" id="{8BB25FD4-056E-4F4F-AF38-754F7A4E24CF}"/>
+              </a:ext>
+            </a:extLst>
+          </p:cNvPr>
+          <p:cNvSpPr>
+            <a:spLocks noGrp="1"/>
+          </p:cNvSpPr>
+          <p:nvPr>
+            <p:ph type="title"/>
+          </p:nvPr>
+        </p:nvSpPr>
+        <p:spPr/>
+        <p:txBody>
+          <a:bodyPr/>
+          <a:lstStyle/>
+          <a:p>
+            <a:r>
+              <a:rPr lang="en-GB" dirty="0"/>
+              <a:t>Is it faster?</a:t>
+            </a:r>
+          </a:p>
+        </p:txBody>
+      </p:sp>
+      <p:sp>
+        <p:nvSpPr>
+          <p:cNvPr id="3" name="Content Placeholder 2">
+            <a:extLst>
+              <a:ext uri="{FF2B5EF4-FFF2-40B4-BE49-F238E27FC236}">
+                <a16:creationId xmlns:a16="http://schemas.microsoft.com/office/drawing/2014/main" id="{96F42985-C81A-43C1-A465-7C3FA13218FF}"/>
+              </a:ext>
+            </a:extLst>
+          </p:cNvPr>
+          <p:cNvSpPr>
+            <a:spLocks noGrp="1"/>
+          </p:cNvSpPr>
+          <p:nvPr>
+            <p:ph idx="1"/>
+          </p:nvPr>
+        </p:nvSpPr>
+        <p:spPr/>
+        <p:txBody>
+          <a:bodyPr/>
+          <a:lstStyle/>
+          <a:p>
+            <a:r>
+              <a:rPr lang="en-GB" dirty="0"/>
+              <a:t>The memory allocator works harder</a:t>
+            </a:r>
+          </a:p>
+          <a:p>
+            <a:r>
+              <a:rPr lang="en-GB" dirty="0"/>
+              <a:t>But we avoid recursive copying</a:t>
+            </a:r>
+          </a:p>
+          <a:p>
+            <a:pPr lvl="1"/>
+            <a:r>
+              <a:rPr lang="en-GB" dirty="0"/>
+              <a:t>Top parts of structures are cheapest to change</a:t>
+            </a:r>
+          </a:p>
+          <a:p>
+            <a:pPr lvl="1"/>
+            <a:r>
+              <a:rPr lang="en-GB" dirty="0"/>
+              <a:t>Cheapest of all are stacks</a:t>
+            </a:r>
+          </a:p>
+          <a:p>
+            <a:r>
+              <a:rPr lang="en-GB" dirty="0"/>
+              <a:t>Structures such as queues are expensive</a:t>
+            </a:r>
+          </a:p>
+          <a:p>
+            <a:pPr lvl="1"/>
+            <a:r>
+              <a:rPr lang="en-GB" dirty="0"/>
+              <a:t>Since we always add at the end</a:t>
+            </a:r>
+          </a:p>
+          <a:p>
+            <a:r>
+              <a:rPr lang="en-GB" dirty="0"/>
+              <a:t>But I find that queue helpers in algorithms</a:t>
+            </a:r>
+          </a:p>
+          <a:p>
+            <a:pPr lvl="1"/>
+            <a:r>
+              <a:rPr lang="en-GB" dirty="0"/>
+              <a:t>Can be replaced with recursive calling</a:t>
+            </a:r>
+          </a:p>
+          <a:p>
+            <a:r>
+              <a:rPr lang="en-GB" dirty="0"/>
+              <a:t>This would </a:t>
+            </a:r>
+            <a:r>
+              <a:rPr lang="en-GB"/>
+              <a:t>be something worth </a:t>
+            </a:r>
+            <a:r>
+              <a:rPr lang="en-GB" dirty="0"/>
+              <a:t>analysing</a:t>
+            </a:r>
+          </a:p>
+          <a:p>
+            <a:pPr lvl="1"/>
+            <a:endParaRPr lang="en-GB" dirty="0"/>
+          </a:p>
+        </p:txBody>
+      </p:sp>
+    </p:spTree>
+    <p:extLst>
+      <p:ext uri="{BB962C8B-B14F-4D97-AF65-F5344CB8AC3E}">
+        <p14:creationId xmlns:p14="http://schemas.microsoft.com/office/powerpoint/2010/main" val="1441768878"/>
+      </p:ext>
+    </p:extLst>
+  </p:cSld>
+  <p:clrMapOvr>
+    <a:masterClrMapping/>
+  </p:clrMapOvr>
+</p:sld>
+</file>
+
+<file path=ppt/slides/slide11.xml><?xml version="1.0" encoding="utf-8"?>
+<p:sld xmlns:a="http://schemas.openxmlformats.org/drawingml/2006/main" xmlns:r="http://schemas.openxmlformats.org/officeDocument/2006/relationships" xmlns:p="http://schemas.openxmlformats.org/presentationml/2006/main">
+  <p:cSld>
+    <p:spTree>
+      <p:nvGrpSpPr>
+        <p:cNvPr id="1" name=""/>
+        <p:cNvGrpSpPr/>
+        <p:nvPr/>
+      </p:nvGrpSpPr>
+      <p:grpSpPr>
+        <a:xfrm>
+          <a:off x="0" y="0"/>
+          <a:ext cx="0" cy="0"/>
+          <a:chOff x="0" y="0"/>
+          <a:chExt cx="0" cy="0"/>
+        </a:xfrm>
+      </p:grpSpPr>
+      <p:sp>
+        <p:nvSpPr>
+          <p:cNvPr id="2" name="Title 1">
+            <a:extLst>
+              <a:ext uri="{FF2B5EF4-FFF2-40B4-BE49-F238E27FC236}">
+                <a16:creationId xmlns:a16="http://schemas.microsoft.com/office/drawing/2014/main" id="{3A67004A-BECA-4367-967F-5A74786A76BF}"/>
+              </a:ext>
+            </a:extLst>
+          </p:cNvPr>
+          <p:cNvSpPr>
+            <a:spLocks noGrp="1"/>
+          </p:cNvSpPr>
+          <p:nvPr>
+            <p:ph type="title"/>
+          </p:nvPr>
+        </p:nvSpPr>
+        <p:spPr/>
+        <p:txBody>
+          <a:bodyPr/>
+          <a:lstStyle/>
+          <a:p>
+            <a:r>
+              <a:rPr lang="en-GB" dirty="0"/>
+              <a:t>Towards Strong DBMS</a:t>
+            </a:r>
+          </a:p>
+        </p:txBody>
+      </p:sp>
+      <p:sp>
+        <p:nvSpPr>
+          <p:cNvPr id="3" name="Content Placeholder 2">
+            <a:extLst>
+              <a:ext uri="{FF2B5EF4-FFF2-40B4-BE49-F238E27FC236}">
+                <a16:creationId xmlns:a16="http://schemas.microsoft.com/office/drawing/2014/main" id="{F5861D1B-C8E0-4740-A1B5-8F7C50E0FB2F}"/>
+              </a:ext>
+            </a:extLst>
+          </p:cNvPr>
+          <p:cNvSpPr>
+            <a:spLocks noGrp="1"/>
+          </p:cNvSpPr>
+          <p:nvPr>
+            <p:ph idx="1"/>
+          </p:nvPr>
+        </p:nvSpPr>
+        <p:spPr/>
+        <p:txBody>
+          <a:bodyPr/>
+          <a:lstStyle/>
+          <a:p>
+            <a:r>
+              <a:rPr lang="en-GB" dirty="0"/>
+              <a:t>Too much locking is a real pain</a:t>
+            </a:r>
+          </a:p>
+          <a:p>
+            <a:r>
+              <a:rPr lang="en-GB" dirty="0"/>
+              <a:t>DBMS (say they) use locking all the time</a:t>
+            </a:r>
+          </a:p>
+          <a:p>
+            <a:pPr lvl="1"/>
+            <a:r>
+              <a:rPr lang="en-GB" dirty="0"/>
+              <a:t>Deadlocks are a plague and very hard to avoid</a:t>
+            </a:r>
+          </a:p>
+          <a:p>
+            <a:pPr lvl="1"/>
+            <a:r>
+              <a:rPr lang="en-GB" dirty="0"/>
+              <a:t>Normally detected by inactivity!</a:t>
+            </a:r>
+          </a:p>
+          <a:p>
+            <a:r>
+              <a:rPr lang="en-GB" dirty="0"/>
+              <a:t>Pyrrho DBMS uses optimistic execution</a:t>
+            </a:r>
+          </a:p>
+          <a:p>
+            <a:pPr lvl="1"/>
+            <a:r>
+              <a:rPr lang="en-GB" dirty="0"/>
+              <a:t>Locks and checks everything only during commit</a:t>
+            </a:r>
+          </a:p>
+          <a:p>
+            <a:pPr lvl="1"/>
+            <a:r>
+              <a:rPr lang="en-GB" dirty="0"/>
+              <a:t>Uses shareable data structures for trees, rows</a:t>
+            </a:r>
+          </a:p>
+          <a:p>
+            <a:r>
+              <a:rPr lang="en-GB" dirty="0"/>
+              <a:t>The Strong DBMS will use them for most things</a:t>
+            </a:r>
+          </a:p>
+          <a:p>
+            <a:pPr lvl="1"/>
+            <a:r>
+              <a:rPr lang="en-GB" dirty="0"/>
+              <a:t>Especially the database and transaction objects</a:t>
+            </a:r>
+          </a:p>
+        </p:txBody>
+      </p:sp>
+    </p:spTree>
+    <p:extLst>
+      <p:ext uri="{BB962C8B-B14F-4D97-AF65-F5344CB8AC3E}">
+        <p14:creationId xmlns:p14="http://schemas.microsoft.com/office/powerpoint/2010/main" val="1169038"/>
+      </p:ext>
+    </p:extLst>
+  </p:cSld>
+  <p:clrMapOvr>
+    <a:masterClrMapping/>
+  </p:clrMapOvr>
+</p:sld>
+</file>
+
+<file path=ppt/slides/slide12.xml><?xml version="1.0" encoding="utf-8"?>
+<p:sld xmlns:a="http://schemas.openxmlformats.org/drawingml/2006/main" xmlns:r="http://schemas.openxmlformats.org/officeDocument/2006/relationships" xmlns:p="http://schemas.openxmlformats.org/presentationml/2006/main">
+  <p:cSld>
+    <p:spTree>
+      <p:nvGrpSpPr>
+        <p:cNvPr id="1" name=""/>
+        <p:cNvGrpSpPr/>
+        <p:nvPr/>
+      </p:nvGrpSpPr>
+      <p:grpSpPr>
+        <a:xfrm>
+          <a:off x="0" y="0"/>
+          <a:ext cx="0" cy="0"/>
+          <a:chOff x="0" y="0"/>
+          <a:chExt cx="0" cy="0"/>
+        </a:xfrm>
+      </p:grpSpPr>
+      <p:sp>
+        <p:nvSpPr>
+          <p:cNvPr id="2" name="Title 1">
+            <a:extLst>
+              <a:ext uri="{FF2B5EF4-FFF2-40B4-BE49-F238E27FC236}">
+                <a16:creationId xmlns:a16="http://schemas.microsoft.com/office/drawing/2014/main" id="{F0626A33-B171-4A33-8E54-C6AE1EA8F150}"/>
+              </a:ext>
+            </a:extLst>
+          </p:cNvPr>
+          <p:cNvSpPr>
+            <a:spLocks noGrp="1"/>
+          </p:cNvSpPr>
+          <p:nvPr>
+            <p:ph type="title"/>
+          </p:nvPr>
+        </p:nvSpPr>
+        <p:spPr/>
+        <p:txBody>
+          <a:bodyPr/>
+          <a:lstStyle/>
+          <a:p>
+            <a:r>
+              <a:rPr lang="en-GB" dirty="0"/>
+              <a:t>Strong DBMS so far</a:t>
+            </a:r>
+          </a:p>
+        </p:txBody>
+      </p:sp>
+      <p:sp>
+        <p:nvSpPr>
+          <p:cNvPr id="3" name="Content Placeholder 2">
+            <a:extLst>
+              <a:ext uri="{FF2B5EF4-FFF2-40B4-BE49-F238E27FC236}">
+                <a16:creationId xmlns:a16="http://schemas.microsoft.com/office/drawing/2014/main" id="{F54AF293-5141-49B4-8963-0748B01E562A}"/>
+              </a:ext>
+            </a:extLst>
+          </p:cNvPr>
+          <p:cNvSpPr>
+            <a:spLocks noGrp="1"/>
+          </p:cNvSpPr>
+          <p:nvPr>
+            <p:ph idx="1"/>
+          </p:nvPr>
+        </p:nvSpPr>
+        <p:spPr/>
+        <p:txBody>
+          <a:bodyPr/>
+          <a:lstStyle/>
+          <a:p>
+            <a:r>
+              <a:rPr lang="en-GB" dirty="0"/>
+              <a:t>Every change changes at two levels:</a:t>
+            </a:r>
+          </a:p>
+          <a:p>
+            <a:pPr lvl="1"/>
+            <a:r>
+              <a:rPr lang="en-GB" dirty="0"/>
+              <a:t>The in-memory versions of the indexes (etc)</a:t>
+            </a:r>
+          </a:p>
+          <a:p>
+            <a:pPr lvl="1"/>
+            <a:r>
+              <a:rPr lang="en-GB" dirty="0"/>
+              <a:t>The list of transaction steps</a:t>
+            </a:r>
+          </a:p>
+          <a:p>
+            <a:r>
+              <a:rPr lang="en-GB" dirty="0"/>
+              <a:t> To have a single pointer to this state</a:t>
+            </a:r>
+          </a:p>
+          <a:p>
+            <a:pPr lvl="1"/>
+            <a:r>
+              <a:rPr lang="en-GB" dirty="0"/>
+              <a:t>Modified objects must be within the transaction</a:t>
+            </a:r>
+          </a:p>
+          <a:p>
+            <a:r>
+              <a:rPr lang="en-GB" dirty="0"/>
+              <a:t>It is a bit confusing to program</a:t>
+            </a:r>
+          </a:p>
+          <a:p>
+            <a:pPr lvl="1"/>
+            <a:r>
+              <a:rPr lang="en-GB" dirty="0"/>
+              <a:t>A C# constructor for each kind of change</a:t>
+            </a:r>
+          </a:p>
+          <a:p>
+            <a:r>
+              <a:rPr lang="en-GB" dirty="0"/>
+              <a:t>Always get from one consistent state to next</a:t>
+            </a:r>
+          </a:p>
+          <a:p>
+            <a:endParaRPr lang="en-GB" dirty="0"/>
+          </a:p>
+        </p:txBody>
+      </p:sp>
+    </p:spTree>
+    <p:extLst>
+      <p:ext uri="{BB962C8B-B14F-4D97-AF65-F5344CB8AC3E}">
+        <p14:creationId xmlns:p14="http://schemas.microsoft.com/office/powerpoint/2010/main" val="1999056912"/>
+      </p:ext>
+    </p:extLst>
+  </p:cSld>
+  <p:clrMapOvr>
+    <a:masterClrMapping/>
+  </p:clrMapOvr>
+</p:sld>
+</file>
+
 <file path=ppt/slides/slide2.xml><?xml version="1.0" encoding="utf-8"?>
 <p:sld xmlns:a="http://schemas.openxmlformats.org/drawingml/2006/main" xmlns:r="http://schemas.openxmlformats.org/officeDocument/2006/relationships" xmlns:p="http://schemas.openxmlformats.org/presentationml/2006/main">
   <p:cSld>
@@ -6905,6 +7339,13 @@
             <a:r>
               <a:rPr lang="en-GB" dirty="0"/>
               <a:t>On ROLLBACK they can simply be forgotten</a:t>
+            </a:r>
+          </a:p>
+          <a:p>
+            <a:pPr lvl="2"/>
+            <a:r>
+              <a:rPr lang="en-GB" dirty="0"/>
+              <a:t>For B=A example, simply restore by A=B </a:t>
             </a:r>
           </a:p>
           <a:p>
@@ -9141,7 +9582,7 @@
               <a:t>, </a:t>
             </a:r>
             <a:r>
-              <a:rPr lang="en-GB">
+              <a:rPr lang="en-GB" dirty="0" err="1">
                 <a:solidFill>
                   <a:srgbClr val="92D050"/>
                 </a:solidFill>
@@ -9181,6 +9622,307 @@
     <p:extLst>
       <p:ext uri="{BB962C8B-B14F-4D97-AF65-F5344CB8AC3E}">
         <p14:creationId xmlns:p14="http://schemas.microsoft.com/office/powerpoint/2010/main" val="3436470463"/>
+      </p:ext>
+    </p:extLst>
+  </p:cSld>
+  <p:clrMapOvr>
+    <a:masterClrMapping/>
+  </p:clrMapOvr>
+</p:sld>
+</file>
+
+<file path=ppt/slides/slide8.xml><?xml version="1.0" encoding="utf-8"?>
+<p:sld xmlns:a="http://schemas.openxmlformats.org/drawingml/2006/main" xmlns:r="http://schemas.openxmlformats.org/officeDocument/2006/relationships" xmlns:p="http://schemas.openxmlformats.org/presentationml/2006/main">
+  <p:cSld>
+    <p:spTree>
+      <p:nvGrpSpPr>
+        <p:cNvPr id="1" name=""/>
+        <p:cNvGrpSpPr/>
+        <p:nvPr/>
+      </p:nvGrpSpPr>
+      <p:grpSpPr>
+        <a:xfrm>
+          <a:off x="0" y="0"/>
+          <a:ext cx="0" cy="0"/>
+          <a:chOff x="0" y="0"/>
+          <a:chExt cx="0" cy="0"/>
+        </a:xfrm>
+      </p:grpSpPr>
+      <p:sp>
+        <p:nvSpPr>
+          <p:cNvPr id="2" name="Title 1">
+            <a:extLst>
+              <a:ext uri="{FF2B5EF4-FFF2-40B4-BE49-F238E27FC236}">
+                <a16:creationId xmlns:a16="http://schemas.microsoft.com/office/drawing/2014/main" id="{F1B24F66-C43F-4824-A4B7-C86AB5D95F93}"/>
+              </a:ext>
+            </a:extLst>
+          </p:cNvPr>
+          <p:cNvSpPr>
+            <a:spLocks noGrp="1"/>
+          </p:cNvSpPr>
+          <p:nvPr>
+            <p:ph type="title"/>
+          </p:nvPr>
+        </p:nvSpPr>
+        <p:spPr/>
+        <p:txBody>
+          <a:bodyPr/>
+          <a:lstStyle/>
+          <a:p>
+            <a:r>
+              <a:rPr lang="en-GB" dirty="0"/>
+              <a:t>Memory blocks are shared</a:t>
+            </a:r>
+          </a:p>
+        </p:txBody>
+      </p:sp>
+      <p:sp>
+        <p:nvSpPr>
+          <p:cNvPr id="3" name="Content Placeholder 2">
+            <a:extLst>
+              <a:ext uri="{FF2B5EF4-FFF2-40B4-BE49-F238E27FC236}">
+                <a16:creationId xmlns:a16="http://schemas.microsoft.com/office/drawing/2014/main" id="{3B17A0C5-567E-4B3A-9DF8-13A7BC2A86FF}"/>
+              </a:ext>
+            </a:extLst>
+          </p:cNvPr>
+          <p:cNvSpPr>
+            <a:spLocks noGrp="1"/>
+          </p:cNvSpPr>
+          <p:nvPr>
+            <p:ph idx="1"/>
+          </p:nvPr>
+        </p:nvSpPr>
+        <p:spPr/>
+        <p:txBody>
+          <a:bodyPr/>
+          <a:lstStyle/>
+          <a:p>
+            <a:r>
+              <a:rPr lang="en-GB" dirty="0"/>
+              <a:t>Thinking about the shareable linked-list</a:t>
+            </a:r>
+          </a:p>
+          <a:p>
+            <a:r>
+              <a:rPr lang="en-GB" dirty="0"/>
+              <a:t>The versions share nodes after the change</a:t>
+            </a:r>
+          </a:p>
+          <a:p>
+            <a:r>
+              <a:rPr lang="en-GB" dirty="0"/>
+              <a:t>Similarly for a shareable tree structure</a:t>
+            </a:r>
+          </a:p>
+          <a:p>
+            <a:pPr lvl="1"/>
+            <a:r>
+              <a:rPr lang="en-GB" dirty="0"/>
+              <a:t>For each change the new nodes are a path</a:t>
+            </a:r>
+          </a:p>
+          <a:p>
+            <a:pPr lvl="1"/>
+            <a:r>
+              <a:rPr lang="en-GB" dirty="0"/>
+              <a:t>From the root to the nodes that were changed</a:t>
+            </a:r>
+          </a:p>
+          <a:p>
+            <a:r>
+              <a:rPr lang="en-GB" dirty="0"/>
+              <a:t>More complex data structures are better</a:t>
+            </a:r>
+          </a:p>
+          <a:p>
+            <a:pPr lvl="1"/>
+            <a:r>
+              <a:rPr lang="en-GB" dirty="0"/>
+              <a:t>Even more efficient since more is shared</a:t>
+            </a:r>
+          </a:p>
+          <a:p>
+            <a:r>
+              <a:rPr lang="en-GB" dirty="0"/>
+              <a:t>Contrast with mutable structures</a:t>
+            </a:r>
+          </a:p>
+          <a:p>
+            <a:pPr lvl="1"/>
+            <a:r>
+              <a:rPr lang="en-GB" dirty="0"/>
+              <a:t>Where the whole thing needs to be cloned</a:t>
+            </a:r>
+          </a:p>
+        </p:txBody>
+      </p:sp>
+    </p:spTree>
+    <p:extLst>
+      <p:ext uri="{BB962C8B-B14F-4D97-AF65-F5344CB8AC3E}">
+        <p14:creationId xmlns:p14="http://schemas.microsoft.com/office/powerpoint/2010/main" val="2746606928"/>
+      </p:ext>
+    </p:extLst>
+  </p:cSld>
+  <p:clrMapOvr>
+    <a:masterClrMapping/>
+  </p:clrMapOvr>
+</p:sld>
+</file>
+
+<file path=ppt/slides/slide9.xml><?xml version="1.0" encoding="utf-8"?>
+<p:sld xmlns:a="http://schemas.openxmlformats.org/drawingml/2006/main" xmlns:r="http://schemas.openxmlformats.org/officeDocument/2006/relationships" xmlns:p="http://schemas.openxmlformats.org/presentationml/2006/main">
+  <p:cSld>
+    <p:spTree>
+      <p:nvGrpSpPr>
+        <p:cNvPr id="1" name=""/>
+        <p:cNvGrpSpPr/>
+        <p:nvPr/>
+      </p:nvGrpSpPr>
+      <p:grpSpPr>
+        <a:xfrm>
+          <a:off x="0" y="0"/>
+          <a:ext cx="0" cy="0"/>
+          <a:chOff x="0" y="0"/>
+          <a:chExt cx="0" cy="0"/>
+        </a:xfrm>
+      </p:grpSpPr>
+      <p:sp>
+        <p:nvSpPr>
+          <p:cNvPr id="2" name="Title 1">
+            <a:extLst>
+              <a:ext uri="{FF2B5EF4-FFF2-40B4-BE49-F238E27FC236}">
+                <a16:creationId xmlns:a16="http://schemas.microsoft.com/office/drawing/2014/main" id="{2287B364-78DF-481B-9B46-C40E19854BE6}"/>
+              </a:ext>
+            </a:extLst>
+          </p:cNvPr>
+          <p:cNvSpPr>
+            <a:spLocks noGrp="1"/>
+          </p:cNvSpPr>
+          <p:nvPr>
+            <p:ph type="title"/>
+          </p:nvPr>
+        </p:nvSpPr>
+        <p:spPr/>
+        <p:txBody>
+          <a:bodyPr/>
+          <a:lstStyle/>
+          <a:p>
+            <a:r>
+              <a:rPr lang="en-GB" dirty="0"/>
+              <a:t>How new is this?</a:t>
+            </a:r>
+          </a:p>
+        </p:txBody>
+      </p:sp>
+      <p:sp>
+        <p:nvSpPr>
+          <p:cNvPr id="3" name="Content Placeholder 2">
+            <a:extLst>
+              <a:ext uri="{FF2B5EF4-FFF2-40B4-BE49-F238E27FC236}">
+                <a16:creationId xmlns:a16="http://schemas.microsoft.com/office/drawing/2014/main" id="{A12CA9EC-ED9D-47FA-A574-E5582DA93BA6}"/>
+              </a:ext>
+            </a:extLst>
+          </p:cNvPr>
+          <p:cNvSpPr>
+            <a:spLocks noGrp="1"/>
+          </p:cNvSpPr>
+          <p:nvPr>
+            <p:ph idx="1"/>
+          </p:nvPr>
+        </p:nvSpPr>
+        <p:spPr/>
+        <p:txBody>
+          <a:bodyPr/>
+          <a:lstStyle/>
+          <a:p>
+            <a:r>
+              <a:rPr lang="en-GB" dirty="0"/>
+              <a:t>“Persistent Data Structures”</a:t>
+            </a:r>
+          </a:p>
+          <a:p>
+            <a:pPr lvl="1"/>
+            <a:r>
+              <a:rPr lang="en-GB" dirty="0"/>
+              <a:t>“Fully Functional” [</a:t>
+            </a:r>
+            <a:r>
+              <a:rPr lang="en-GB" dirty="0" err="1"/>
+              <a:t>Okasaki</a:t>
+            </a:r>
+            <a:r>
+              <a:rPr lang="en-GB" dirty="0"/>
+              <a:t>]</a:t>
+            </a:r>
+          </a:p>
+          <a:p>
+            <a:pPr lvl="1"/>
+            <a:r>
+              <a:rPr lang="en-GB" dirty="0"/>
+              <a:t>“Multi-version”, “Concurrent” etc</a:t>
+            </a:r>
+          </a:p>
+          <a:p>
+            <a:r>
+              <a:rPr lang="en-GB" dirty="0"/>
+              <a:t>These have a similar idea, but a fatal flaw</a:t>
+            </a:r>
+          </a:p>
+          <a:p>
+            <a:r>
+              <a:rPr lang="en-GB" dirty="0"/>
+              <a:t>A mutable root node</a:t>
+            </a:r>
+          </a:p>
+          <a:p>
+            <a:r>
+              <a:rPr lang="en-GB" dirty="0"/>
+              <a:t>The Wikipedia article has:</a:t>
+            </a:r>
+          </a:p>
+          <a:p>
+            <a:pPr lvl="1"/>
+            <a:r>
+              <a:rPr lang="en-GB" dirty="0"/>
+              <a:t>But this misses the point</a:t>
+            </a:r>
+          </a:p>
+        </p:txBody>
+      </p:sp>
+      <p:pic>
+        <p:nvPicPr>
+          <p:cNvPr id="7" name="Picture 6">
+            <a:extLst>
+              <a:ext uri="{FF2B5EF4-FFF2-40B4-BE49-F238E27FC236}">
+                <a16:creationId xmlns:a16="http://schemas.microsoft.com/office/drawing/2014/main" id="{C190CB22-0EF8-4D2E-B5DB-AA73F1A010F7}"/>
+              </a:ext>
+            </a:extLst>
+          </p:cNvPr>
+          <p:cNvPicPr>
+            <a:picLocks noChangeAspect="1"/>
+          </p:cNvPicPr>
+          <p:nvPr/>
+        </p:nvPicPr>
+        <p:blipFill>
+          <a:blip r:embed="rId2"/>
+          <a:stretch>
+            <a:fillRect/>
+          </a:stretch>
+        </p:blipFill>
+        <p:spPr>
+          <a:xfrm>
+            <a:off x="5644661" y="3561039"/>
+            <a:ext cx="3299313" cy="3053979"/>
+          </a:xfrm>
+          <a:prstGeom prst="rect">
+            <a:avLst/>
+          </a:prstGeom>
+        </p:spPr>
+      </p:pic>
+    </p:spTree>
+    <p:extLst>
+      <p:ext uri="{BB962C8B-B14F-4D97-AF65-F5344CB8AC3E}">
+        <p14:creationId xmlns:p14="http://schemas.microsoft.com/office/powerpoint/2010/main" val="920861399"/>
       </p:ext>
     </p:extLst>
   </p:cSld>

--- a/Shareable Data Structures.pptx
+++ b/Shareable Data Structures.pptx
@@ -15,8 +15,9 @@
     <p:sldId id="263" r:id="rId9"/>
     <p:sldId id="264" r:id="rId10"/>
     <p:sldId id="265" r:id="rId11"/>
-    <p:sldId id="266" r:id="rId12"/>
-    <p:sldId id="267" r:id="rId13"/>
+    <p:sldId id="268" r:id="rId12"/>
+    <p:sldId id="266" r:id="rId13"/>
+    <p:sldId id="267" r:id="rId14"/>
   </p:sldIdLst>
   <p:sldSz cx="9144000" cy="6858000" type="screen4x3"/>
   <p:notesSz cx="6858000" cy="9144000"/>
@@ -309,7 +310,7 @@
           <a:p>
             <a:fld id="{4AAD347D-5ACD-4C99-B74B-A9C85AD731AF}" type="datetimeFigureOut">
               <a:rPr lang="en-US" smtClean="0"/>
-              <a:t>11/5/2018</a:t>
+              <a:t>11/6/2018</a:t>
             </a:fld>
             <a:endParaRPr lang="en-US" dirty="0"/>
           </a:p>
@@ -584,7 +585,7 @@
           <a:p>
             <a:fld id="{4509A250-FF31-4206-8172-F9D3106AACB1}" type="datetimeFigureOut">
               <a:rPr lang="en-US" smtClean="0"/>
-              <a:t>11/5/2018</a:t>
+              <a:t>11/6/2018</a:t>
             </a:fld>
             <a:endParaRPr lang="en-US" dirty="0"/>
           </a:p>
@@ -778,7 +779,7 @@
           <a:p>
             <a:fld id="{4509A250-FF31-4206-8172-F9D3106AACB1}" type="datetimeFigureOut">
               <a:rPr lang="en-US" smtClean="0"/>
-              <a:t>11/5/2018</a:t>
+              <a:t>11/6/2018</a:t>
             </a:fld>
             <a:endParaRPr lang="en-US" dirty="0"/>
           </a:p>
@@ -1051,7 +1052,7 @@
           <a:p>
             <a:fld id="{4509A250-FF31-4206-8172-F9D3106AACB1}" type="datetimeFigureOut">
               <a:rPr lang="en-US" smtClean="0"/>
-              <a:t>11/5/2018</a:t>
+              <a:t>11/6/2018</a:t>
             </a:fld>
             <a:endParaRPr lang="en-US" dirty="0"/>
           </a:p>
@@ -1392,7 +1393,7 @@
           <a:p>
             <a:fld id="{4509A250-FF31-4206-8172-F9D3106AACB1}" type="datetimeFigureOut">
               <a:rPr lang="en-US" smtClean="0"/>
-              <a:t>11/5/2018</a:t>
+              <a:t>11/6/2018</a:t>
             </a:fld>
             <a:endParaRPr lang="en-US" dirty="0"/>
           </a:p>
@@ -2015,7 +2016,7 @@
           <a:p>
             <a:fld id="{4509A250-FF31-4206-8172-F9D3106AACB1}" type="datetimeFigureOut">
               <a:rPr lang="en-US" smtClean="0"/>
-              <a:t>11/5/2018</a:t>
+              <a:t>11/6/2018</a:t>
             </a:fld>
             <a:endParaRPr lang="en-US" dirty="0"/>
           </a:p>
@@ -2875,7 +2876,7 @@
           <a:p>
             <a:fld id="{4509A250-FF31-4206-8172-F9D3106AACB1}" type="datetimeFigureOut">
               <a:rPr lang="en-US" smtClean="0"/>
-              <a:t>11/5/2018</a:t>
+              <a:t>11/6/2018</a:t>
             </a:fld>
             <a:endParaRPr lang="en-US" dirty="0"/>
           </a:p>
@@ -3045,7 +3046,7 @@
           <a:p>
             <a:fld id="{4509A250-FF31-4206-8172-F9D3106AACB1}" type="datetimeFigureOut">
               <a:rPr lang="en-US" smtClean="0"/>
-              <a:t>11/5/2018</a:t>
+              <a:t>11/6/2018</a:t>
             </a:fld>
             <a:endParaRPr lang="en-US" dirty="0"/>
           </a:p>
@@ -3225,7 +3226,7 @@
           <a:p>
             <a:fld id="{4509A250-FF31-4206-8172-F9D3106AACB1}" type="datetimeFigureOut">
               <a:rPr lang="en-US" smtClean="0"/>
-              <a:t>11/5/2018</a:t>
+              <a:t>11/6/2018</a:t>
             </a:fld>
             <a:endParaRPr lang="en-US" dirty="0"/>
           </a:p>
@@ -3626,7 +3627,7 @@
           <a:p>
             <a:fld id="{9796027F-7875-4030-9381-8BD8C4F21935}" type="datetimeFigureOut">
               <a:rPr lang="en-US" smtClean="0"/>
-              <a:t>11/5/2018</a:t>
+              <a:t>11/6/2018</a:t>
             </a:fld>
             <a:endParaRPr lang="en-US" dirty="0"/>
           </a:p>
@@ -3918,7 +3919,7 @@
           <a:p>
             <a:fld id="{9796027F-7875-4030-9381-8BD8C4F21935}" type="datetimeFigureOut">
               <a:rPr lang="en-US" smtClean="0"/>
-              <a:t>11/5/2018</a:t>
+              <a:t>11/6/2018</a:t>
             </a:fld>
             <a:endParaRPr lang="en-US" dirty="0"/>
           </a:p>
@@ -4362,7 +4363,7 @@
           <a:p>
             <a:fld id="{9796027F-7875-4030-9381-8BD8C4F21935}" type="datetimeFigureOut">
               <a:rPr lang="en-US" smtClean="0"/>
-              <a:t>11/5/2018</a:t>
+              <a:t>11/6/2018</a:t>
             </a:fld>
             <a:endParaRPr lang="en-US" dirty="0"/>
           </a:p>
@@ -4480,7 +4481,7 @@
           <a:p>
             <a:fld id="{4509A250-FF31-4206-8172-F9D3106AACB1}" type="datetimeFigureOut">
               <a:rPr lang="en-US" smtClean="0"/>
-              <a:t>11/5/2018</a:t>
+              <a:t>11/6/2018</a:t>
             </a:fld>
             <a:endParaRPr lang="en-US" dirty="0"/>
           </a:p>
@@ -4575,7 +4576,7 @@
           <a:p>
             <a:fld id="{4509A250-FF31-4206-8172-F9D3106AACB1}" type="datetimeFigureOut">
               <a:rPr lang="en-US" smtClean="0"/>
-              <a:t>11/5/2018</a:t>
+              <a:t>11/6/2018</a:t>
             </a:fld>
             <a:endParaRPr lang="en-US" dirty="0"/>
           </a:p>
@@ -4854,7 +4855,7 @@
           <a:p>
             <a:fld id="{4509A250-FF31-4206-8172-F9D3106AACB1}" type="datetimeFigureOut">
               <a:rPr lang="en-US" smtClean="0"/>
-              <a:t>11/5/2018</a:t>
+              <a:t>11/6/2018</a:t>
             </a:fld>
             <a:endParaRPr lang="en-US" dirty="0"/>
           </a:p>
@@ -5129,7 +5130,7 @@
           <a:p>
             <a:fld id="{4509A250-FF31-4206-8172-F9D3106AACB1}" type="datetimeFigureOut">
               <a:rPr lang="en-US" smtClean="0"/>
-              <a:t>11/5/2018</a:t>
+              <a:t>11/6/2018</a:t>
             </a:fld>
             <a:endParaRPr lang="en-US" dirty="0"/>
           </a:p>
@@ -5694,7 +5695,7 @@
           <a:p>
             <a:fld id="{4AAD347D-5ACD-4C99-B74B-A9C85AD731AF}" type="datetimeFigureOut">
               <a:rPr lang="en-US" smtClean="0"/>
-              <a:t>11/5/2018</a:t>
+              <a:t>11/6/2018</a:t>
             </a:fld>
             <a:endParaRPr lang="en-US" dirty="0"/>
           </a:p>
@@ -6284,8 +6285,12 @@
           </a:p>
           <a:p>
             <a:r>
-              <a:rPr lang="en-GB" dirty="0"/>
-              <a:t>October 2018</a:t>
+              <a:rPr lang="en-GB"/>
+              <a:t>6 November </a:t>
+            </a:r>
+            <a:r>
+              <a:rPr lang="en-GB" dirty="0"/>
+              <a:t>2018</a:t>
             </a:r>
           </a:p>
         </p:txBody>
@@ -6408,30 +6413,16 @@
             </a:r>
           </a:p>
           <a:p>
-            <a:r>
-              <a:rPr lang="en-GB" dirty="0"/>
-              <a:t>But I find that queue helpers in algorithms</a:t>
-            </a:r>
-          </a:p>
-          <a:p>
             <a:pPr lvl="1"/>
             <a:r>
               <a:rPr lang="en-GB" dirty="0"/>
-              <a:t>Can be replaced with recursive calling</a:t>
-            </a:r>
-          </a:p>
-          <a:p>
-            <a:r>
-              <a:rPr lang="en-GB" dirty="0"/>
-              <a:t>This would </a:t>
-            </a:r>
-            <a:r>
-              <a:rPr lang="en-GB"/>
-              <a:t>be something worth </a:t>
-            </a:r>
-            <a:r>
-              <a:rPr lang="en-GB" dirty="0"/>
-              <a:t>analysing</a:t>
+              <a:t>This affects speed of breadth-first search</a:t>
+            </a:r>
+          </a:p>
+          <a:p>
+            <a:r>
+              <a:rPr lang="en-GB" dirty="0"/>
+              <a:t>This would be something worth analysing</a:t>
             </a:r>
           </a:p>
           <a:p>
@@ -6475,6 +6466,199 @@
           <p:cNvPr id="2" name="Title 1">
             <a:extLst>
               <a:ext uri="{FF2B5EF4-FFF2-40B4-BE49-F238E27FC236}">
+                <a16:creationId xmlns:a16="http://schemas.microsoft.com/office/drawing/2014/main" id="{B709ED75-6FF1-438D-87FB-A0D60241FADF}"/>
+              </a:ext>
+            </a:extLst>
+          </p:cNvPr>
+          <p:cNvSpPr>
+            <a:spLocks noGrp="1"/>
+          </p:cNvSpPr>
+          <p:nvPr>
+            <p:ph type="title"/>
+          </p:nvPr>
+        </p:nvSpPr>
+        <p:spPr/>
+        <p:txBody>
+          <a:bodyPr/>
+          <a:lstStyle/>
+          <a:p>
+            <a:r>
+              <a:rPr lang="en-GB" dirty="0"/>
+              <a:t>Bookmark replaces Iterator</a:t>
+            </a:r>
+          </a:p>
+        </p:txBody>
+      </p:sp>
+      <p:sp>
+        <p:nvSpPr>
+          <p:cNvPr id="3" name="Content Placeholder 2">
+            <a:extLst>
+              <a:ext uri="{FF2B5EF4-FFF2-40B4-BE49-F238E27FC236}">
+                <a16:creationId xmlns:a16="http://schemas.microsoft.com/office/drawing/2014/main" id="{A0150193-A101-4602-9FFC-8FDD7AB56EC6}"/>
+              </a:ext>
+            </a:extLst>
+          </p:cNvPr>
+          <p:cNvSpPr>
+            <a:spLocks noGrp="1"/>
+          </p:cNvSpPr>
+          <p:nvPr>
+            <p:ph idx="1"/>
+          </p:nvPr>
+        </p:nvSpPr>
+        <p:spPr/>
+        <p:txBody>
+          <a:bodyPr/>
+          <a:lstStyle/>
+          <a:p>
+            <a:r>
+              <a:rPr lang="en-GB" dirty="0"/>
+              <a:t>Iterators are popular for traversing structures</a:t>
+            </a:r>
+          </a:p>
+          <a:p>
+            <a:pPr lvl="1"/>
+            <a:r>
+              <a:rPr lang="en-GB" dirty="0"/>
+              <a:t>Used internally to implement </a:t>
+            </a:r>
+            <a:r>
+              <a:rPr lang="en-GB" dirty="0">
+                <a:latin typeface="Consolas" panose="020B0609020204030204" pitchFamily="49" charset="0"/>
+              </a:rPr>
+              <a:t>foreach</a:t>
+            </a:r>
+          </a:p>
+          <a:p>
+            <a:r>
+              <a:rPr lang="en-GB" dirty="0"/>
+              <a:t>But they are not shareable</a:t>
+            </a:r>
+          </a:p>
+          <a:p>
+            <a:pPr lvl="1"/>
+            <a:r>
+              <a:rPr lang="en-GB" dirty="0"/>
+              <a:t>And prevent change to the structure traversed</a:t>
+            </a:r>
+          </a:p>
+          <a:p>
+            <a:r>
+              <a:rPr lang="en-GB" dirty="0"/>
+              <a:t>A Bookmark starts with snapshot of structure</a:t>
+            </a:r>
+          </a:p>
+          <a:p>
+            <a:pPr lvl="1"/>
+            <a:r>
+              <a:rPr lang="en-GB" dirty="0"/>
+              <a:t>Bookmark b=</a:t>
+            </a:r>
+            <a:r>
+              <a:rPr lang="en-GB" dirty="0" err="1"/>
+              <a:t>S.First</a:t>
+            </a:r>
+            <a:r>
+              <a:rPr lang="en-GB" dirty="0"/>
+              <a:t>()</a:t>
+            </a:r>
+          </a:p>
+          <a:p>
+            <a:pPr lvl="1"/>
+            <a:r>
+              <a:rPr lang="en-GB" dirty="0"/>
+              <a:t>Shareable, traverses using b=</a:t>
+            </a:r>
+            <a:r>
+              <a:rPr lang="en-GB" dirty="0" err="1"/>
+              <a:t>b.Next</a:t>
+            </a:r>
+            <a:r>
+              <a:rPr lang="en-GB" dirty="0"/>
+              <a:t>()</a:t>
+            </a:r>
+          </a:p>
+          <a:p>
+            <a:pPr marL="0" indent="0">
+              <a:buNone/>
+            </a:pPr>
+            <a:r>
+              <a:rPr lang="en-GB" sz="2700" dirty="0">
+                <a:latin typeface="Consolas" panose="020B0609020204030204" pitchFamily="49" charset="0"/>
+              </a:rPr>
+              <a:t>for (var b=</a:t>
+            </a:r>
+            <a:r>
+              <a:rPr lang="en-GB" sz="2700" dirty="0" err="1">
+                <a:latin typeface="Consolas" panose="020B0609020204030204" pitchFamily="49" charset="0"/>
+              </a:rPr>
+              <a:t>S.First</a:t>
+            </a:r>
+            <a:r>
+              <a:rPr lang="en-GB" sz="2700" dirty="0">
+                <a:latin typeface="Consolas" panose="020B0609020204030204" pitchFamily="49" charset="0"/>
+              </a:rPr>
+              <a:t>(); b!=null; b=</a:t>
+            </a:r>
+            <a:r>
+              <a:rPr lang="en-GB" sz="2700" dirty="0" err="1">
+                <a:latin typeface="Consolas" panose="020B0609020204030204" pitchFamily="49" charset="0"/>
+              </a:rPr>
+              <a:t>b.Next</a:t>
+            </a:r>
+            <a:r>
+              <a:rPr lang="en-GB" sz="2700" dirty="0">
+                <a:latin typeface="Consolas" panose="020B0609020204030204" pitchFamily="49" charset="0"/>
+              </a:rPr>
+              <a:t>())</a:t>
+            </a:r>
+          </a:p>
+          <a:p>
+            <a:pPr lvl="1"/>
+            <a:r>
+              <a:rPr lang="en-GB" dirty="0"/>
+              <a:t>Just as efficient (memory allocator works harder)</a:t>
+            </a:r>
+          </a:p>
+          <a:p>
+            <a:endParaRPr lang="en-GB" dirty="0"/>
+          </a:p>
+        </p:txBody>
+      </p:sp>
+    </p:spTree>
+    <p:extLst>
+      <p:ext uri="{BB962C8B-B14F-4D97-AF65-F5344CB8AC3E}">
+        <p14:creationId xmlns:p14="http://schemas.microsoft.com/office/powerpoint/2010/main" val="3031334559"/>
+      </p:ext>
+    </p:extLst>
+  </p:cSld>
+  <p:clrMapOvr>
+    <a:masterClrMapping/>
+  </p:clrMapOvr>
+</p:sld>
+</file>
+
+<file path=ppt/slides/slide12.xml><?xml version="1.0" encoding="utf-8"?>
+<p:sld xmlns:a="http://schemas.openxmlformats.org/drawingml/2006/main" xmlns:r="http://schemas.openxmlformats.org/officeDocument/2006/relationships" xmlns:p="http://schemas.openxmlformats.org/presentationml/2006/main">
+  <p:cSld>
+    <p:spTree>
+      <p:nvGrpSpPr>
+        <p:cNvPr id="1" name=""/>
+        <p:cNvGrpSpPr/>
+        <p:nvPr/>
+      </p:nvGrpSpPr>
+      <p:grpSpPr>
+        <a:xfrm>
+          <a:off x="0" y="0"/>
+          <a:ext cx="0" cy="0"/>
+          <a:chOff x="0" y="0"/>
+          <a:chExt cx="0" cy="0"/>
+        </a:xfrm>
+      </p:grpSpPr>
+      <p:sp>
+        <p:nvSpPr>
+          <p:cNvPr id="2" name="Title 1">
+            <a:extLst>
+              <a:ext uri="{FF2B5EF4-FFF2-40B4-BE49-F238E27FC236}">
                 <a16:creationId xmlns:a16="http://schemas.microsoft.com/office/drawing/2014/main" id="{3A67004A-BECA-4367-967F-5A74786A76BF}"/>
               </a:ext>
             </a:extLst>
@@ -6592,7 +6776,7 @@
 </p:sld>
 </file>
 
-<file path=ppt/slides/slide12.xml><?xml version="1.0" encoding="utf-8"?>
+<file path=ppt/slides/slide13.xml><?xml version="1.0" encoding="utf-8"?>
 <p:sld xmlns:a="http://schemas.openxmlformats.org/drawingml/2006/main" xmlns:r="http://schemas.openxmlformats.org/officeDocument/2006/relationships" xmlns:p="http://schemas.openxmlformats.org/presentationml/2006/main">
   <p:cSld>
     <p:spTree>
@@ -9844,47 +10028,60 @@
             <a:pPr lvl="1"/>
             <a:r>
               <a:rPr lang="en-GB" dirty="0"/>
-              <a:t>“Fully Functional” [</a:t>
-            </a:r>
-            <a:r>
-              <a:rPr lang="en-GB" dirty="0" err="1"/>
+              <a:t>“Multi-version”, “Concurrent” etc</a:t>
+            </a:r>
+          </a:p>
+          <a:p>
+            <a:r>
+              <a:rPr lang="en-GB" dirty="0"/>
+              <a:t>These have a similar idea, but a fatal flaw</a:t>
+            </a:r>
+          </a:p>
+          <a:p>
+            <a:pPr lvl="1"/>
+            <a:r>
+              <a:rPr lang="en-GB" dirty="0"/>
+              <a:t>A mutable root node</a:t>
+            </a:r>
+          </a:p>
+          <a:p>
+            <a:r>
+              <a:rPr lang="en-GB" dirty="0"/>
+              <a:t>“Purely functional” is better </a:t>
+            </a:r>
+          </a:p>
+          <a:p>
+            <a:pPr lvl="1"/>
+            <a:r>
+              <a:rPr lang="en-GB" dirty="0"/>
+              <a:t>See </a:t>
+            </a:r>
+            <a:r>
+              <a:rPr lang="en-GB" dirty="0" err="1">
+                <a:hlinkClick r:id="rId2"/>
+              </a:rPr>
               <a:t>Okasaki</a:t>
             </a:r>
             <a:r>
-              <a:rPr lang="en-GB" dirty="0"/>
-              <a:t>]</a:t>
-            </a:r>
+              <a:rPr lang="en-GB" dirty="0">
+                <a:hlinkClick r:id="rId2"/>
+              </a:rPr>
+              <a:t> 1996</a:t>
+            </a:r>
+            <a:endParaRPr lang="en-GB" dirty="0"/>
           </a:p>
           <a:p>
             <a:pPr lvl="1"/>
             <a:r>
               <a:rPr lang="en-GB" dirty="0"/>
-              <a:t>“Multi-version”, “Concurrent” etc</a:t>
-            </a:r>
-          </a:p>
-          <a:p>
-            <a:r>
-              <a:rPr lang="en-GB" dirty="0"/>
-              <a:t>These have a similar idea, but a fatal flaw</a:t>
-            </a:r>
-          </a:p>
-          <a:p>
-            <a:r>
-              <a:rPr lang="en-GB" dirty="0"/>
-              <a:t>A mutable root node</a:t>
-            </a:r>
-          </a:p>
-          <a:p>
-            <a:r>
-              <a:rPr lang="en-GB" dirty="0"/>
-              <a:t>The Wikipedia article has:</a:t>
+              <a:t>Wikipedia shows this:</a:t>
             </a:r>
           </a:p>
           <a:p>
             <a:pPr lvl="1"/>
             <a:r>
               <a:rPr lang="en-GB" dirty="0"/>
-              <a:t>But this misses the point</a:t>
+              <a:t>Which is exactly right.</a:t>
             </a:r>
           </a:p>
         </p:txBody>
@@ -9904,7 +10101,7 @@
           <p:nvPr/>
         </p:nvPicPr>
         <p:blipFill>
-          <a:blip r:embed="rId2"/>
+          <a:blip r:embed="rId3"/>
           <a:stretch>
             <a:fillRect/>
           </a:stretch>

--- a/Shareable Data Structures.pptx
+++ b/Shareable Data Structures.pptx
@@ -310,7 +310,7 @@
           <a:p>
             <a:fld id="{4AAD347D-5ACD-4C99-B74B-A9C85AD731AF}" type="datetimeFigureOut">
               <a:rPr lang="en-US" smtClean="0"/>
-              <a:t>11/6/2018</a:t>
+              <a:t>1/20/2019</a:t>
             </a:fld>
             <a:endParaRPr lang="en-US" dirty="0"/>
           </a:p>
@@ -585,7 +585,7 @@
           <a:p>
             <a:fld id="{4509A250-FF31-4206-8172-F9D3106AACB1}" type="datetimeFigureOut">
               <a:rPr lang="en-US" smtClean="0"/>
-              <a:t>11/6/2018</a:t>
+              <a:t>1/20/2019</a:t>
             </a:fld>
             <a:endParaRPr lang="en-US" dirty="0"/>
           </a:p>
@@ -779,7 +779,7 @@
           <a:p>
             <a:fld id="{4509A250-FF31-4206-8172-F9D3106AACB1}" type="datetimeFigureOut">
               <a:rPr lang="en-US" smtClean="0"/>
-              <a:t>11/6/2018</a:t>
+              <a:t>1/20/2019</a:t>
             </a:fld>
             <a:endParaRPr lang="en-US" dirty="0"/>
           </a:p>
@@ -1052,7 +1052,7 @@
           <a:p>
             <a:fld id="{4509A250-FF31-4206-8172-F9D3106AACB1}" type="datetimeFigureOut">
               <a:rPr lang="en-US" smtClean="0"/>
-              <a:t>11/6/2018</a:t>
+              <a:t>1/20/2019</a:t>
             </a:fld>
             <a:endParaRPr lang="en-US" dirty="0"/>
           </a:p>
@@ -1393,7 +1393,7 @@
           <a:p>
             <a:fld id="{4509A250-FF31-4206-8172-F9D3106AACB1}" type="datetimeFigureOut">
               <a:rPr lang="en-US" smtClean="0"/>
-              <a:t>11/6/2018</a:t>
+              <a:t>1/20/2019</a:t>
             </a:fld>
             <a:endParaRPr lang="en-US" dirty="0"/>
           </a:p>
@@ -2016,7 +2016,7 @@
           <a:p>
             <a:fld id="{4509A250-FF31-4206-8172-F9D3106AACB1}" type="datetimeFigureOut">
               <a:rPr lang="en-US" smtClean="0"/>
-              <a:t>11/6/2018</a:t>
+              <a:t>1/20/2019</a:t>
             </a:fld>
             <a:endParaRPr lang="en-US" dirty="0"/>
           </a:p>
@@ -2876,7 +2876,7 @@
           <a:p>
             <a:fld id="{4509A250-FF31-4206-8172-F9D3106AACB1}" type="datetimeFigureOut">
               <a:rPr lang="en-US" smtClean="0"/>
-              <a:t>11/6/2018</a:t>
+              <a:t>1/20/2019</a:t>
             </a:fld>
             <a:endParaRPr lang="en-US" dirty="0"/>
           </a:p>
@@ -3046,7 +3046,7 @@
           <a:p>
             <a:fld id="{4509A250-FF31-4206-8172-F9D3106AACB1}" type="datetimeFigureOut">
               <a:rPr lang="en-US" smtClean="0"/>
-              <a:t>11/6/2018</a:t>
+              <a:t>1/20/2019</a:t>
             </a:fld>
             <a:endParaRPr lang="en-US" dirty="0"/>
           </a:p>
@@ -3226,7 +3226,7 @@
           <a:p>
             <a:fld id="{4509A250-FF31-4206-8172-F9D3106AACB1}" type="datetimeFigureOut">
               <a:rPr lang="en-US" smtClean="0"/>
-              <a:t>11/6/2018</a:t>
+              <a:t>1/20/2019</a:t>
             </a:fld>
             <a:endParaRPr lang="en-US" dirty="0"/>
           </a:p>
@@ -3627,7 +3627,7 @@
           <a:p>
             <a:fld id="{9796027F-7875-4030-9381-8BD8C4F21935}" type="datetimeFigureOut">
               <a:rPr lang="en-US" smtClean="0"/>
-              <a:t>11/6/2018</a:t>
+              <a:t>1/20/2019</a:t>
             </a:fld>
             <a:endParaRPr lang="en-US" dirty="0"/>
           </a:p>
@@ -3919,7 +3919,7 @@
           <a:p>
             <a:fld id="{9796027F-7875-4030-9381-8BD8C4F21935}" type="datetimeFigureOut">
               <a:rPr lang="en-US" smtClean="0"/>
-              <a:t>11/6/2018</a:t>
+              <a:t>1/20/2019</a:t>
             </a:fld>
             <a:endParaRPr lang="en-US" dirty="0"/>
           </a:p>
@@ -4363,7 +4363,7 @@
           <a:p>
             <a:fld id="{9796027F-7875-4030-9381-8BD8C4F21935}" type="datetimeFigureOut">
               <a:rPr lang="en-US" smtClean="0"/>
-              <a:t>11/6/2018</a:t>
+              <a:t>1/20/2019</a:t>
             </a:fld>
             <a:endParaRPr lang="en-US" dirty="0"/>
           </a:p>
@@ -4481,7 +4481,7 @@
           <a:p>
             <a:fld id="{4509A250-FF31-4206-8172-F9D3106AACB1}" type="datetimeFigureOut">
               <a:rPr lang="en-US" smtClean="0"/>
-              <a:t>11/6/2018</a:t>
+              <a:t>1/20/2019</a:t>
             </a:fld>
             <a:endParaRPr lang="en-US" dirty="0"/>
           </a:p>
@@ -4576,7 +4576,7 @@
           <a:p>
             <a:fld id="{4509A250-FF31-4206-8172-F9D3106AACB1}" type="datetimeFigureOut">
               <a:rPr lang="en-US" smtClean="0"/>
-              <a:t>11/6/2018</a:t>
+              <a:t>1/20/2019</a:t>
             </a:fld>
             <a:endParaRPr lang="en-US" dirty="0"/>
           </a:p>
@@ -4855,7 +4855,7 @@
           <a:p>
             <a:fld id="{4509A250-FF31-4206-8172-F9D3106AACB1}" type="datetimeFigureOut">
               <a:rPr lang="en-US" smtClean="0"/>
-              <a:t>11/6/2018</a:t>
+              <a:t>1/20/2019</a:t>
             </a:fld>
             <a:endParaRPr lang="en-US" dirty="0"/>
           </a:p>
@@ -5130,7 +5130,7 @@
           <a:p>
             <a:fld id="{4509A250-FF31-4206-8172-F9D3106AACB1}" type="datetimeFigureOut">
               <a:rPr lang="en-US" smtClean="0"/>
-              <a:t>11/6/2018</a:t>
+              <a:t>1/20/2019</a:t>
             </a:fld>
             <a:endParaRPr lang="en-US" dirty="0"/>
           </a:p>
@@ -5695,7 +5695,7 @@
           <a:p>
             <a:fld id="{4AAD347D-5ACD-4C99-B74B-A9C85AD731AF}" type="datetimeFigureOut">
               <a:rPr lang="en-US" smtClean="0"/>
-              <a:t>11/6/2018</a:t>
+              <a:t>1/20/2019</a:t>
             </a:fld>
             <a:endParaRPr lang="en-US" dirty="0"/>
           </a:p>
@@ -6285,12 +6285,8 @@
           </a:p>
           <a:p>
             <a:r>
-              <a:rPr lang="en-GB"/>
-              <a:t>6 November </a:t>
-            </a:r>
-            <a:r>
-              <a:rPr lang="en-GB" dirty="0"/>
-              <a:t>2018</a:t>
+              <a:rPr lang="en-GB" dirty="0"/>
+              <a:t>20 January 2019</a:t>
             </a:r>
           </a:p>
         </p:txBody>
@@ -6677,8 +6673,13 @@
           <a:p>
             <a:r>
               <a:rPr lang="en-GB" dirty="0"/>
-              <a:t>Towards Strong DBMS</a:t>
-            </a:r>
+              <a:t>Towards </a:t>
+            </a:r>
+            <a:r>
+              <a:rPr lang="en-GB" dirty="0" err="1"/>
+              <a:t>StrongDBMS</a:t>
+            </a:r>
+            <a:endParaRPr lang="en-GB" dirty="0"/>
           </a:p>
         </p:txBody>
       </p:sp>
@@ -6711,7 +6712,7 @@
           <a:p>
             <a:r>
               <a:rPr lang="en-GB" dirty="0"/>
-              <a:t>DBMS (say they) use locking all the time</a:t>
+              <a:t>DBMS (claim they) use locking all the time</a:t>
             </a:r>
           </a:p>
           <a:p>
@@ -6750,8 +6751,12 @@
           </a:p>
           <a:p>
             <a:r>
-              <a:rPr lang="en-GB" dirty="0"/>
-              <a:t>The Strong DBMS will use them for most things</a:t>
+              <a:rPr lang="en-GB" dirty="0" err="1"/>
+              <a:t>StrongDBMS</a:t>
+            </a:r>
+            <a:r>
+              <a:rPr lang="en-GB" dirty="0"/>
+              <a:t> uses them for most things</a:t>
             </a:r>
           </a:p>
           <a:p>
@@ -6815,8 +6820,12 @@
           <a:lstStyle/>
           <a:p>
             <a:r>
-              <a:rPr lang="en-GB" dirty="0"/>
-              <a:t>Strong DBMS so far</a:t>
+              <a:rPr lang="en-GB" dirty="0" err="1"/>
+              <a:t>StrongDBMS</a:t>
+            </a:r>
+            <a:r>
+              <a:rPr lang="en-GB" dirty="0"/>
+              <a:t> so far</a:t>
             </a:r>
           </a:p>
         </p:txBody>
@@ -6858,39 +6867,59 @@
             <a:pPr lvl="1"/>
             <a:r>
               <a:rPr lang="en-GB" dirty="0"/>
-              <a:t>The list of transaction steps</a:t>
-            </a:r>
-          </a:p>
-          <a:p>
-            <a:r>
-              <a:rPr lang="en-GB" dirty="0"/>
-              <a:t> To have a single pointer to this state</a:t>
+              <a:t>The new objects the transaction knows about</a:t>
+            </a:r>
+          </a:p>
+          <a:p>
+            <a:r>
+              <a:rPr lang="en-GB" dirty="0"/>
+              <a:t>It is a bit confusing to program</a:t>
             </a:r>
           </a:p>
           <a:p>
             <a:pPr lvl="1"/>
             <a:r>
               <a:rPr lang="en-GB" dirty="0"/>
-              <a:t>Modified objects must be within the transaction</a:t>
-            </a:r>
-          </a:p>
-          <a:p>
-            <a:r>
-              <a:rPr lang="en-GB" dirty="0"/>
-              <a:t>It is a bit confusing to program</a:t>
+              <a:t>A C# constructor for each kind of change</a:t>
+            </a:r>
+          </a:p>
+          <a:p>
+            <a:r>
+              <a:rPr lang="en-GB" dirty="0"/>
+              <a:t>Always get from one consistent state to next</a:t>
+            </a:r>
+          </a:p>
+          <a:p>
+            <a:r>
+              <a:rPr lang="en-GB" dirty="0"/>
+              <a:t>Many constructors have a stream parameter</a:t>
             </a:r>
           </a:p>
           <a:p>
             <a:pPr lvl="1"/>
             <a:r>
               <a:rPr lang="en-GB" dirty="0"/>
-              <a:t>A C# constructor for each kind of change</a:t>
-            </a:r>
-          </a:p>
-          <a:p>
-            <a:r>
-              <a:rPr lang="en-GB" dirty="0"/>
-              <a:t>Always get from one consistent state to next</a:t>
+              <a:t>The stream of data from the </a:t>
+            </a:r>
+            <a:r>
+              <a:rPr lang="en-GB"/>
+              <a:t>client socket</a:t>
+            </a:r>
+            <a:endParaRPr lang="en-GB" dirty="0"/>
+          </a:p>
+          <a:p>
+            <a:pPr lvl="1"/>
+            <a:r>
+              <a:rPr lang="en-GB" dirty="0"/>
+              <a:t>The </a:t>
+            </a:r>
+            <a:r>
+              <a:rPr lang="en-GB" dirty="0" err="1"/>
+              <a:t>FileStream</a:t>
+            </a:r>
+            <a:r>
+              <a:rPr lang="en-GB" dirty="0"/>
+              <a:t> for the transaction log</a:t>
             </a:r>
           </a:p>
           <a:p>
@@ -7019,7 +7048,7 @@
             <a:pPr lvl="1"/>
             <a:r>
               <a:rPr lang="en-GB" dirty="0"/>
-              <a:t>In this course we focus on SAFE data structures</a:t>
+              <a:t>In this lecture we focus on SAFE data structures</a:t>
             </a:r>
           </a:p>
           <a:p>
@@ -7122,7 +7151,7 @@
           <a:p>
             <a:r>
               <a:rPr lang="en-GB" dirty="0"/>
-              <a:t>Example: Arrays A and B – in Java (say)</a:t>
+              <a:t>Example: Arrays A and B  (in Java, say)</a:t>
             </a:r>
           </a:p>
           <a:p>
@@ -7391,7 +7420,7 @@
             <a:pPr lvl="1"/>
             <a:r>
               <a:rPr lang="en-GB" dirty="0"/>
-              <a:t>Our data structures have immutable contents</a:t>
+              <a:t>Make data structures have immutable contents</a:t>
             </a:r>
           </a:p>
           <a:p>
@@ -7502,7 +7531,15 @@
             <a:pPr lvl="1"/>
             <a:r>
               <a:rPr lang="en-GB" dirty="0"/>
-              <a:t>We show how a full DBMS can be built</a:t>
+              <a:t>We can build a full DBMS (e.g. </a:t>
+            </a:r>
+            <a:r>
+              <a:rPr lang="en-GB" dirty="0" err="1"/>
+              <a:t>StrongDBMS</a:t>
+            </a:r>
+            <a:r>
+              <a:rPr lang="en-GB" dirty="0"/>
+              <a:t>)</a:t>
             </a:r>
           </a:p>
           <a:p>
@@ -7522,7 +7559,7 @@
             <a:pPr lvl="1"/>
             <a:r>
               <a:rPr lang="en-GB" dirty="0"/>
-              <a:t>On ROLLBACK they can simply be forgotten</a:t>
+              <a:t>On ROLLBACK changes can simply be forgotten</a:t>
             </a:r>
           </a:p>
           <a:p>
@@ -7556,7 +7593,7 @@
             <a:pPr lvl="1"/>
             <a:r>
               <a:rPr lang="en-GB" dirty="0"/>
-              <a:t>Will be the DBMS’ only unsafe data structure!</a:t>
+              <a:t>Might be the DBMS’ only unsafe data structure!</a:t>
             </a:r>
           </a:p>
         </p:txBody>
